--- a/ppt 16-9/0514.为和平祈祷.pptx
+++ b/ppt 16-9/0514.为和平祈祷.pptx
@@ -5,7 +5,7 @@
     <p:sldMasterId id="2147483648" r:id="rId1"/>
   </p:sldMasterIdLst>
   <p:sldIdLst>
-    <p:sldId id="2240" r:id="rId2"/>
+    <p:sldId id="2242" r:id="rId2"/>
   </p:sldIdLst>
   <p:sldSz cx="12192000" cy="6858000"/>
   <p:notesSz cx="6858000" cy="9144000"/>
@@ -129,7 +129,7 @@
           <p:cNvPr id="2" name="标题 1">
             <a:extLst>
               <a:ext uri="{FF2B5EF4-FFF2-40B4-BE49-F238E27FC236}">
-                <a16:creationId xmlns:a16="http://schemas.microsoft.com/office/drawing/2014/main" id="{A0BDDDB6-A185-6692-1DBA-E2F86317D86C}"/>
+                <a16:creationId xmlns:a16="http://schemas.microsoft.com/office/drawing/2014/main" id="{B1065502-FCB9-CAE9-189C-16B8791678C8}"/>
               </a:ext>
             </a:extLst>
           </p:cNvPr>
@@ -166,7 +166,7 @@
           <p:cNvPr id="3" name="副标题 2">
             <a:extLst>
               <a:ext uri="{FF2B5EF4-FFF2-40B4-BE49-F238E27FC236}">
-                <a16:creationId xmlns:a16="http://schemas.microsoft.com/office/drawing/2014/main" id="{144E7B9F-CB98-40AF-4114-7CC05AECDAD6}"/>
+                <a16:creationId xmlns:a16="http://schemas.microsoft.com/office/drawing/2014/main" id="{5A5A32C8-4129-5EF5-7FAF-A69ED22EA49D}"/>
               </a:ext>
             </a:extLst>
           </p:cNvPr>
@@ -236,7 +236,7 @@
           <p:cNvPr id="4" name="日期占位符 3">
             <a:extLst>
               <a:ext uri="{FF2B5EF4-FFF2-40B4-BE49-F238E27FC236}">
-                <a16:creationId xmlns:a16="http://schemas.microsoft.com/office/drawing/2014/main" id="{98CCFCFB-3754-DBF1-6A85-65F214853362}"/>
+                <a16:creationId xmlns:a16="http://schemas.microsoft.com/office/drawing/2014/main" id="{F692E952-526E-5C12-B3F4-6CBCA2E9B8FE}"/>
               </a:ext>
             </a:extLst>
           </p:cNvPr>
@@ -252,7 +252,7 @@
           <a:bodyPr/>
           <a:lstStyle/>
           <a:p>
-            <a:fld id="{FA8E934D-3EDC-4D92-B80A-079F1C9A19DA}" type="datetimeFigureOut">
+            <a:fld id="{B3A906B0-8263-4EF4-A3DF-36371FC819A3}" type="datetimeFigureOut">
               <a:rPr lang="zh-CN" altLang="en-US" smtClean="0"/>
               <a:t>2024/3/10</a:t>
             </a:fld>
@@ -265,7 +265,7 @@
           <p:cNvPr id="5" name="页脚占位符 4">
             <a:extLst>
               <a:ext uri="{FF2B5EF4-FFF2-40B4-BE49-F238E27FC236}">
-                <a16:creationId xmlns:a16="http://schemas.microsoft.com/office/drawing/2014/main" id="{C9BF7191-9927-76A2-76D9-D50A31E2EB40}"/>
+                <a16:creationId xmlns:a16="http://schemas.microsoft.com/office/drawing/2014/main" id="{D455CDA1-8358-E90D-50D6-8BE448BBDA6E}"/>
               </a:ext>
             </a:extLst>
           </p:cNvPr>
@@ -290,7 +290,7 @@
           <p:cNvPr id="6" name="灯片编号占位符 5">
             <a:extLst>
               <a:ext uri="{FF2B5EF4-FFF2-40B4-BE49-F238E27FC236}">
-                <a16:creationId xmlns:a16="http://schemas.microsoft.com/office/drawing/2014/main" id="{8C27CFC5-FEFD-BBD4-A8EF-9B498A0FEC8B}"/>
+                <a16:creationId xmlns:a16="http://schemas.microsoft.com/office/drawing/2014/main" id="{F5E042B0-E2FE-E3A3-B096-372AF0FFCF44}"/>
               </a:ext>
             </a:extLst>
           </p:cNvPr>
@@ -306,7 +306,7 @@
           <a:bodyPr/>
           <a:lstStyle/>
           <a:p>
-            <a:fld id="{EAB7DE24-78DF-48AC-8EEF-11B926694560}" type="slidenum">
+            <a:fld id="{44747048-2987-4F1D-8412-756489639CE9}" type="slidenum">
               <a:rPr lang="zh-CN" altLang="en-US" smtClean="0"/>
               <a:t>‹#›</a:t>
             </a:fld>
@@ -317,7 +317,7 @@
     </p:spTree>
     <p:extLst>
       <p:ext uri="{BB962C8B-B14F-4D97-AF65-F5344CB8AC3E}">
-        <p14:creationId xmlns:p14="http://schemas.microsoft.com/office/powerpoint/2010/main" val="3174130318"/>
+        <p14:creationId xmlns:p14="http://schemas.microsoft.com/office/powerpoint/2010/main" val="2204450816"/>
       </p:ext>
     </p:extLst>
   </p:cSld>
@@ -349,7 +349,7 @@
           <p:cNvPr id="2" name="标题 1">
             <a:extLst>
               <a:ext uri="{FF2B5EF4-FFF2-40B4-BE49-F238E27FC236}">
-                <a16:creationId xmlns:a16="http://schemas.microsoft.com/office/drawing/2014/main" id="{FE25F176-7023-C26D-EF92-61EFEDD80876}"/>
+                <a16:creationId xmlns:a16="http://schemas.microsoft.com/office/drawing/2014/main" id="{7D6D82CD-3359-170C-4C49-C57BE8B8450E}"/>
               </a:ext>
             </a:extLst>
           </p:cNvPr>
@@ -377,7 +377,7 @@
           <p:cNvPr id="3" name="竖排文字占位符 2">
             <a:extLst>
               <a:ext uri="{FF2B5EF4-FFF2-40B4-BE49-F238E27FC236}">
-                <a16:creationId xmlns:a16="http://schemas.microsoft.com/office/drawing/2014/main" id="{6A8357E5-556F-5642-46A3-BFF0FBF2EF85}"/>
+                <a16:creationId xmlns:a16="http://schemas.microsoft.com/office/drawing/2014/main" id="{A2CB4E7A-37D7-28DA-A015-80F98DFD7EC5}"/>
               </a:ext>
             </a:extLst>
           </p:cNvPr>
@@ -434,7 +434,7 @@
           <p:cNvPr id="4" name="日期占位符 3">
             <a:extLst>
               <a:ext uri="{FF2B5EF4-FFF2-40B4-BE49-F238E27FC236}">
-                <a16:creationId xmlns:a16="http://schemas.microsoft.com/office/drawing/2014/main" id="{98B93A1B-1E1C-9FFA-17E8-66040F2321E1}"/>
+                <a16:creationId xmlns:a16="http://schemas.microsoft.com/office/drawing/2014/main" id="{877A9F5B-A504-4FDF-059D-847547A3858B}"/>
               </a:ext>
             </a:extLst>
           </p:cNvPr>
@@ -450,7 +450,7 @@
           <a:bodyPr/>
           <a:lstStyle/>
           <a:p>
-            <a:fld id="{FA8E934D-3EDC-4D92-B80A-079F1C9A19DA}" type="datetimeFigureOut">
+            <a:fld id="{B3A906B0-8263-4EF4-A3DF-36371FC819A3}" type="datetimeFigureOut">
               <a:rPr lang="zh-CN" altLang="en-US" smtClean="0"/>
               <a:t>2024/3/10</a:t>
             </a:fld>
@@ -463,7 +463,7 @@
           <p:cNvPr id="5" name="页脚占位符 4">
             <a:extLst>
               <a:ext uri="{FF2B5EF4-FFF2-40B4-BE49-F238E27FC236}">
-                <a16:creationId xmlns:a16="http://schemas.microsoft.com/office/drawing/2014/main" id="{C9AE7B7C-5E99-E5D1-33A7-2FEB240BAC0E}"/>
+                <a16:creationId xmlns:a16="http://schemas.microsoft.com/office/drawing/2014/main" id="{DA0E8E9E-483E-9FF6-8495-740893E11033}"/>
               </a:ext>
             </a:extLst>
           </p:cNvPr>
@@ -488,7 +488,7 @@
           <p:cNvPr id="6" name="灯片编号占位符 5">
             <a:extLst>
               <a:ext uri="{FF2B5EF4-FFF2-40B4-BE49-F238E27FC236}">
-                <a16:creationId xmlns:a16="http://schemas.microsoft.com/office/drawing/2014/main" id="{96EF0725-17F5-9150-56ED-54262D9229F3}"/>
+                <a16:creationId xmlns:a16="http://schemas.microsoft.com/office/drawing/2014/main" id="{1597D441-85C7-7CE3-F272-4B2ED4C1F0E4}"/>
               </a:ext>
             </a:extLst>
           </p:cNvPr>
@@ -504,7 +504,7 @@
           <a:bodyPr/>
           <a:lstStyle/>
           <a:p>
-            <a:fld id="{EAB7DE24-78DF-48AC-8EEF-11B926694560}" type="slidenum">
+            <a:fld id="{44747048-2987-4F1D-8412-756489639CE9}" type="slidenum">
               <a:rPr lang="zh-CN" altLang="en-US" smtClean="0"/>
               <a:t>‹#›</a:t>
             </a:fld>
@@ -515,7 +515,7 @@
     </p:spTree>
     <p:extLst>
       <p:ext uri="{BB962C8B-B14F-4D97-AF65-F5344CB8AC3E}">
-        <p14:creationId xmlns:p14="http://schemas.microsoft.com/office/powerpoint/2010/main" val="857083704"/>
+        <p14:creationId xmlns:p14="http://schemas.microsoft.com/office/powerpoint/2010/main" val="3323222177"/>
       </p:ext>
     </p:extLst>
   </p:cSld>
@@ -547,7 +547,7 @@
           <p:cNvPr id="2" name="竖排标题 1">
             <a:extLst>
               <a:ext uri="{FF2B5EF4-FFF2-40B4-BE49-F238E27FC236}">
-                <a16:creationId xmlns:a16="http://schemas.microsoft.com/office/drawing/2014/main" id="{DAAA0601-13CD-0B33-6AC3-BFCD35690B96}"/>
+                <a16:creationId xmlns:a16="http://schemas.microsoft.com/office/drawing/2014/main" id="{32E0348C-5244-6E3B-2681-7E0A27989637}"/>
               </a:ext>
             </a:extLst>
           </p:cNvPr>
@@ -580,7 +580,7 @@
           <p:cNvPr id="3" name="竖排文字占位符 2">
             <a:extLst>
               <a:ext uri="{FF2B5EF4-FFF2-40B4-BE49-F238E27FC236}">
-                <a16:creationId xmlns:a16="http://schemas.microsoft.com/office/drawing/2014/main" id="{0D7B7799-9D0D-2EA0-789B-9199518CE28E}"/>
+                <a16:creationId xmlns:a16="http://schemas.microsoft.com/office/drawing/2014/main" id="{A28EC5CB-B86B-D76E-A84C-ED266112D6B7}"/>
               </a:ext>
             </a:extLst>
           </p:cNvPr>
@@ -642,7 +642,7 @@
           <p:cNvPr id="4" name="日期占位符 3">
             <a:extLst>
               <a:ext uri="{FF2B5EF4-FFF2-40B4-BE49-F238E27FC236}">
-                <a16:creationId xmlns:a16="http://schemas.microsoft.com/office/drawing/2014/main" id="{40D0747A-168C-CBE4-4974-F79AB237FD44}"/>
+                <a16:creationId xmlns:a16="http://schemas.microsoft.com/office/drawing/2014/main" id="{FE6F1609-7705-0A0B-E76B-5D56149144B3}"/>
               </a:ext>
             </a:extLst>
           </p:cNvPr>
@@ -658,7 +658,7 @@
           <a:bodyPr/>
           <a:lstStyle/>
           <a:p>
-            <a:fld id="{FA8E934D-3EDC-4D92-B80A-079F1C9A19DA}" type="datetimeFigureOut">
+            <a:fld id="{B3A906B0-8263-4EF4-A3DF-36371FC819A3}" type="datetimeFigureOut">
               <a:rPr lang="zh-CN" altLang="en-US" smtClean="0"/>
               <a:t>2024/3/10</a:t>
             </a:fld>
@@ -671,7 +671,7 @@
           <p:cNvPr id="5" name="页脚占位符 4">
             <a:extLst>
               <a:ext uri="{FF2B5EF4-FFF2-40B4-BE49-F238E27FC236}">
-                <a16:creationId xmlns:a16="http://schemas.microsoft.com/office/drawing/2014/main" id="{86C24707-9222-9A5B-6090-500C0B097C13}"/>
+                <a16:creationId xmlns:a16="http://schemas.microsoft.com/office/drawing/2014/main" id="{C7273AE8-C49E-33AB-D2A9-00ECE3BB5311}"/>
               </a:ext>
             </a:extLst>
           </p:cNvPr>
@@ -696,7 +696,7 @@
           <p:cNvPr id="6" name="灯片编号占位符 5">
             <a:extLst>
               <a:ext uri="{FF2B5EF4-FFF2-40B4-BE49-F238E27FC236}">
-                <a16:creationId xmlns:a16="http://schemas.microsoft.com/office/drawing/2014/main" id="{CCB5D7EF-3816-C3B0-D510-24EB6ADEBB8B}"/>
+                <a16:creationId xmlns:a16="http://schemas.microsoft.com/office/drawing/2014/main" id="{002F6173-9E19-D245-0989-1222C2446D9E}"/>
               </a:ext>
             </a:extLst>
           </p:cNvPr>
@@ -712,7 +712,7 @@
           <a:bodyPr/>
           <a:lstStyle/>
           <a:p>
-            <a:fld id="{EAB7DE24-78DF-48AC-8EEF-11B926694560}" type="slidenum">
+            <a:fld id="{44747048-2987-4F1D-8412-756489639CE9}" type="slidenum">
               <a:rPr lang="zh-CN" altLang="en-US" smtClean="0"/>
               <a:t>‹#›</a:t>
             </a:fld>
@@ -723,7 +723,7 @@
     </p:spTree>
     <p:extLst>
       <p:ext uri="{BB962C8B-B14F-4D97-AF65-F5344CB8AC3E}">
-        <p14:creationId xmlns:p14="http://schemas.microsoft.com/office/powerpoint/2010/main" val="82497116"/>
+        <p14:creationId xmlns:p14="http://schemas.microsoft.com/office/powerpoint/2010/main" val="3502710870"/>
       </p:ext>
     </p:extLst>
   </p:cSld>
@@ -755,7 +755,7 @@
           <p:cNvPr id="2" name="标题 1">
             <a:extLst>
               <a:ext uri="{FF2B5EF4-FFF2-40B4-BE49-F238E27FC236}">
-                <a16:creationId xmlns:a16="http://schemas.microsoft.com/office/drawing/2014/main" id="{25AFC34C-8ECB-E08F-700E-570CB9AC3B9A}"/>
+                <a16:creationId xmlns:a16="http://schemas.microsoft.com/office/drawing/2014/main" id="{A70EAB1B-2AAE-78AB-3D1F-5AE4D718ACB7}"/>
               </a:ext>
             </a:extLst>
           </p:cNvPr>
@@ -783,7 +783,7 @@
           <p:cNvPr id="3" name="内容占位符 2">
             <a:extLst>
               <a:ext uri="{FF2B5EF4-FFF2-40B4-BE49-F238E27FC236}">
-                <a16:creationId xmlns:a16="http://schemas.microsoft.com/office/drawing/2014/main" id="{351D8BFA-8AB7-ACE7-D96E-46A466E84519}"/>
+                <a16:creationId xmlns:a16="http://schemas.microsoft.com/office/drawing/2014/main" id="{AE8E13EA-152C-1930-94EB-246C52C47AAC}"/>
               </a:ext>
             </a:extLst>
           </p:cNvPr>
@@ -840,7 +840,7 @@
           <p:cNvPr id="4" name="日期占位符 3">
             <a:extLst>
               <a:ext uri="{FF2B5EF4-FFF2-40B4-BE49-F238E27FC236}">
-                <a16:creationId xmlns:a16="http://schemas.microsoft.com/office/drawing/2014/main" id="{6D0CC380-69B9-3CCB-5803-2EDCAB6DCF38}"/>
+                <a16:creationId xmlns:a16="http://schemas.microsoft.com/office/drawing/2014/main" id="{C598B676-3B49-BCB5-942A-55947919773C}"/>
               </a:ext>
             </a:extLst>
           </p:cNvPr>
@@ -856,7 +856,7 @@
           <a:bodyPr/>
           <a:lstStyle/>
           <a:p>
-            <a:fld id="{FA8E934D-3EDC-4D92-B80A-079F1C9A19DA}" type="datetimeFigureOut">
+            <a:fld id="{B3A906B0-8263-4EF4-A3DF-36371FC819A3}" type="datetimeFigureOut">
               <a:rPr lang="zh-CN" altLang="en-US" smtClean="0"/>
               <a:t>2024/3/10</a:t>
             </a:fld>
@@ -869,7 +869,7 @@
           <p:cNvPr id="5" name="页脚占位符 4">
             <a:extLst>
               <a:ext uri="{FF2B5EF4-FFF2-40B4-BE49-F238E27FC236}">
-                <a16:creationId xmlns:a16="http://schemas.microsoft.com/office/drawing/2014/main" id="{1F678CE1-4C0F-CCA4-1E8E-03571437317D}"/>
+                <a16:creationId xmlns:a16="http://schemas.microsoft.com/office/drawing/2014/main" id="{52CBC413-CA9A-D71C-CB6A-B3ACB2E3504C}"/>
               </a:ext>
             </a:extLst>
           </p:cNvPr>
@@ -894,7 +894,7 @@
           <p:cNvPr id="6" name="灯片编号占位符 5">
             <a:extLst>
               <a:ext uri="{FF2B5EF4-FFF2-40B4-BE49-F238E27FC236}">
-                <a16:creationId xmlns:a16="http://schemas.microsoft.com/office/drawing/2014/main" id="{D633774C-EA87-601D-F86F-2138096583A7}"/>
+                <a16:creationId xmlns:a16="http://schemas.microsoft.com/office/drawing/2014/main" id="{084998AA-8637-3633-D079-5EC312AFCD8F}"/>
               </a:ext>
             </a:extLst>
           </p:cNvPr>
@@ -910,7 +910,7 @@
           <a:bodyPr/>
           <a:lstStyle/>
           <a:p>
-            <a:fld id="{EAB7DE24-78DF-48AC-8EEF-11B926694560}" type="slidenum">
+            <a:fld id="{44747048-2987-4F1D-8412-756489639CE9}" type="slidenum">
               <a:rPr lang="zh-CN" altLang="en-US" smtClean="0"/>
               <a:t>‹#›</a:t>
             </a:fld>
@@ -921,7 +921,7 @@
     </p:spTree>
     <p:extLst>
       <p:ext uri="{BB962C8B-B14F-4D97-AF65-F5344CB8AC3E}">
-        <p14:creationId xmlns:p14="http://schemas.microsoft.com/office/powerpoint/2010/main" val="2571940230"/>
+        <p14:creationId xmlns:p14="http://schemas.microsoft.com/office/powerpoint/2010/main" val="2008753378"/>
       </p:ext>
     </p:extLst>
   </p:cSld>
@@ -953,7 +953,7 @@
           <p:cNvPr id="2" name="标题 1">
             <a:extLst>
               <a:ext uri="{FF2B5EF4-FFF2-40B4-BE49-F238E27FC236}">
-                <a16:creationId xmlns:a16="http://schemas.microsoft.com/office/drawing/2014/main" id="{DF1C7610-A8FB-BBB9-C551-F69D63F99BE9}"/>
+                <a16:creationId xmlns:a16="http://schemas.microsoft.com/office/drawing/2014/main" id="{97F9B5EF-4E21-7ECE-1728-68087FDF7A89}"/>
               </a:ext>
             </a:extLst>
           </p:cNvPr>
@@ -990,7 +990,7 @@
           <p:cNvPr id="3" name="文本占位符 2">
             <a:extLst>
               <a:ext uri="{FF2B5EF4-FFF2-40B4-BE49-F238E27FC236}">
-                <a16:creationId xmlns:a16="http://schemas.microsoft.com/office/drawing/2014/main" id="{7AA4EBA7-1907-88FD-3153-DB84B67F6643}"/>
+                <a16:creationId xmlns:a16="http://schemas.microsoft.com/office/drawing/2014/main" id="{8B87826D-D5FB-FB01-BA86-3848F2A08B9A}"/>
               </a:ext>
             </a:extLst>
           </p:cNvPr>
@@ -1115,7 +1115,7 @@
           <p:cNvPr id="4" name="日期占位符 3">
             <a:extLst>
               <a:ext uri="{FF2B5EF4-FFF2-40B4-BE49-F238E27FC236}">
-                <a16:creationId xmlns:a16="http://schemas.microsoft.com/office/drawing/2014/main" id="{EAAC08BC-681F-C2B2-D9D8-861C9A80CF1A}"/>
+                <a16:creationId xmlns:a16="http://schemas.microsoft.com/office/drawing/2014/main" id="{B85AD3B4-A634-3503-AE71-8F3B95511D3F}"/>
               </a:ext>
             </a:extLst>
           </p:cNvPr>
@@ -1131,7 +1131,7 @@
           <a:bodyPr/>
           <a:lstStyle/>
           <a:p>
-            <a:fld id="{FA8E934D-3EDC-4D92-B80A-079F1C9A19DA}" type="datetimeFigureOut">
+            <a:fld id="{B3A906B0-8263-4EF4-A3DF-36371FC819A3}" type="datetimeFigureOut">
               <a:rPr lang="zh-CN" altLang="en-US" smtClean="0"/>
               <a:t>2024/3/10</a:t>
             </a:fld>
@@ -1144,7 +1144,7 @@
           <p:cNvPr id="5" name="页脚占位符 4">
             <a:extLst>
               <a:ext uri="{FF2B5EF4-FFF2-40B4-BE49-F238E27FC236}">
-                <a16:creationId xmlns:a16="http://schemas.microsoft.com/office/drawing/2014/main" id="{727F3334-E738-A043-D465-1F4BCC5A73B7}"/>
+                <a16:creationId xmlns:a16="http://schemas.microsoft.com/office/drawing/2014/main" id="{A76A65D6-DA40-0C14-B250-C1C4CE96EB79}"/>
               </a:ext>
             </a:extLst>
           </p:cNvPr>
@@ -1169,7 +1169,7 @@
           <p:cNvPr id="6" name="灯片编号占位符 5">
             <a:extLst>
               <a:ext uri="{FF2B5EF4-FFF2-40B4-BE49-F238E27FC236}">
-                <a16:creationId xmlns:a16="http://schemas.microsoft.com/office/drawing/2014/main" id="{66D192CA-21DE-3074-67AC-B0145C2CFC78}"/>
+                <a16:creationId xmlns:a16="http://schemas.microsoft.com/office/drawing/2014/main" id="{CE88FB72-E98C-14C8-0B93-D3BB3BB2721C}"/>
               </a:ext>
             </a:extLst>
           </p:cNvPr>
@@ -1185,7 +1185,7 @@
           <a:bodyPr/>
           <a:lstStyle/>
           <a:p>
-            <a:fld id="{EAB7DE24-78DF-48AC-8EEF-11B926694560}" type="slidenum">
+            <a:fld id="{44747048-2987-4F1D-8412-756489639CE9}" type="slidenum">
               <a:rPr lang="zh-CN" altLang="en-US" smtClean="0"/>
               <a:t>‹#›</a:t>
             </a:fld>
@@ -1196,7 +1196,7 @@
     </p:spTree>
     <p:extLst>
       <p:ext uri="{BB962C8B-B14F-4D97-AF65-F5344CB8AC3E}">
-        <p14:creationId xmlns:p14="http://schemas.microsoft.com/office/powerpoint/2010/main" val="3507109418"/>
+        <p14:creationId xmlns:p14="http://schemas.microsoft.com/office/powerpoint/2010/main" val="4253670769"/>
       </p:ext>
     </p:extLst>
   </p:cSld>
@@ -1228,7 +1228,7 @@
           <p:cNvPr id="2" name="标题 1">
             <a:extLst>
               <a:ext uri="{FF2B5EF4-FFF2-40B4-BE49-F238E27FC236}">
-                <a16:creationId xmlns:a16="http://schemas.microsoft.com/office/drawing/2014/main" id="{EE4D9556-80A3-9C17-7B24-83894DEC27EF}"/>
+                <a16:creationId xmlns:a16="http://schemas.microsoft.com/office/drawing/2014/main" id="{511E11AF-BE88-13B9-651E-F1EBE007CE2A}"/>
               </a:ext>
             </a:extLst>
           </p:cNvPr>
@@ -1256,7 +1256,7 @@
           <p:cNvPr id="3" name="内容占位符 2">
             <a:extLst>
               <a:ext uri="{FF2B5EF4-FFF2-40B4-BE49-F238E27FC236}">
-                <a16:creationId xmlns:a16="http://schemas.microsoft.com/office/drawing/2014/main" id="{9228F27E-B98E-52D4-0A46-D8ECB267A6D8}"/>
+                <a16:creationId xmlns:a16="http://schemas.microsoft.com/office/drawing/2014/main" id="{62547EF2-575E-3564-1532-182DD073F6C0}"/>
               </a:ext>
             </a:extLst>
           </p:cNvPr>
@@ -1318,7 +1318,7 @@
           <p:cNvPr id="4" name="内容占位符 3">
             <a:extLst>
               <a:ext uri="{FF2B5EF4-FFF2-40B4-BE49-F238E27FC236}">
-                <a16:creationId xmlns:a16="http://schemas.microsoft.com/office/drawing/2014/main" id="{8EE1990A-BBC3-A11B-2E17-472A3B287EB2}"/>
+                <a16:creationId xmlns:a16="http://schemas.microsoft.com/office/drawing/2014/main" id="{516C4ADC-B04B-91DA-B4A0-1683D88E8386}"/>
               </a:ext>
             </a:extLst>
           </p:cNvPr>
@@ -1380,7 +1380,7 @@
           <p:cNvPr id="5" name="日期占位符 4">
             <a:extLst>
               <a:ext uri="{FF2B5EF4-FFF2-40B4-BE49-F238E27FC236}">
-                <a16:creationId xmlns:a16="http://schemas.microsoft.com/office/drawing/2014/main" id="{C925B7A0-C85E-3349-6E3B-7B038DC49AA3}"/>
+                <a16:creationId xmlns:a16="http://schemas.microsoft.com/office/drawing/2014/main" id="{6E7C070B-4926-9926-F2EC-1D815518C893}"/>
               </a:ext>
             </a:extLst>
           </p:cNvPr>
@@ -1396,7 +1396,7 @@
           <a:bodyPr/>
           <a:lstStyle/>
           <a:p>
-            <a:fld id="{FA8E934D-3EDC-4D92-B80A-079F1C9A19DA}" type="datetimeFigureOut">
+            <a:fld id="{B3A906B0-8263-4EF4-A3DF-36371FC819A3}" type="datetimeFigureOut">
               <a:rPr lang="zh-CN" altLang="en-US" smtClean="0"/>
               <a:t>2024/3/10</a:t>
             </a:fld>
@@ -1409,7 +1409,7 @@
           <p:cNvPr id="6" name="页脚占位符 5">
             <a:extLst>
               <a:ext uri="{FF2B5EF4-FFF2-40B4-BE49-F238E27FC236}">
-                <a16:creationId xmlns:a16="http://schemas.microsoft.com/office/drawing/2014/main" id="{B5505AAF-755F-6859-1676-AF1B7FC0B343}"/>
+                <a16:creationId xmlns:a16="http://schemas.microsoft.com/office/drawing/2014/main" id="{EB861E35-0C91-B0FD-419C-93251EC38887}"/>
               </a:ext>
             </a:extLst>
           </p:cNvPr>
@@ -1434,7 +1434,7 @@
           <p:cNvPr id="7" name="灯片编号占位符 6">
             <a:extLst>
               <a:ext uri="{FF2B5EF4-FFF2-40B4-BE49-F238E27FC236}">
-                <a16:creationId xmlns:a16="http://schemas.microsoft.com/office/drawing/2014/main" id="{AA7A7E34-2AEC-833D-72E8-C817351E742E}"/>
+                <a16:creationId xmlns:a16="http://schemas.microsoft.com/office/drawing/2014/main" id="{AB170051-E6CF-0AEA-377A-9D195169521B}"/>
               </a:ext>
             </a:extLst>
           </p:cNvPr>
@@ -1450,7 +1450,7 @@
           <a:bodyPr/>
           <a:lstStyle/>
           <a:p>
-            <a:fld id="{EAB7DE24-78DF-48AC-8EEF-11B926694560}" type="slidenum">
+            <a:fld id="{44747048-2987-4F1D-8412-756489639CE9}" type="slidenum">
               <a:rPr lang="zh-CN" altLang="en-US" smtClean="0"/>
               <a:t>‹#›</a:t>
             </a:fld>
@@ -1461,7 +1461,7 @@
     </p:spTree>
     <p:extLst>
       <p:ext uri="{BB962C8B-B14F-4D97-AF65-F5344CB8AC3E}">
-        <p14:creationId xmlns:p14="http://schemas.microsoft.com/office/powerpoint/2010/main" val="423609963"/>
+        <p14:creationId xmlns:p14="http://schemas.microsoft.com/office/powerpoint/2010/main" val="2074348453"/>
       </p:ext>
     </p:extLst>
   </p:cSld>
@@ -1493,7 +1493,7 @@
           <p:cNvPr id="2" name="标题 1">
             <a:extLst>
               <a:ext uri="{FF2B5EF4-FFF2-40B4-BE49-F238E27FC236}">
-                <a16:creationId xmlns:a16="http://schemas.microsoft.com/office/drawing/2014/main" id="{ECADC7D9-EA59-AED4-1E41-EFDEEAC0A333}"/>
+                <a16:creationId xmlns:a16="http://schemas.microsoft.com/office/drawing/2014/main" id="{02F48774-53E0-B6E8-9825-4DE12A46A294}"/>
               </a:ext>
             </a:extLst>
           </p:cNvPr>
@@ -1526,7 +1526,7 @@
           <p:cNvPr id="3" name="文本占位符 2">
             <a:extLst>
               <a:ext uri="{FF2B5EF4-FFF2-40B4-BE49-F238E27FC236}">
-                <a16:creationId xmlns:a16="http://schemas.microsoft.com/office/drawing/2014/main" id="{1D2F87AC-98F3-D02A-35A8-C8C26D4FA7CE}"/>
+                <a16:creationId xmlns:a16="http://schemas.microsoft.com/office/drawing/2014/main" id="{0ECE577C-A525-9A9B-FA0E-7630880784EA}"/>
               </a:ext>
             </a:extLst>
           </p:cNvPr>
@@ -1597,7 +1597,7 @@
           <p:cNvPr id="4" name="内容占位符 3">
             <a:extLst>
               <a:ext uri="{FF2B5EF4-FFF2-40B4-BE49-F238E27FC236}">
-                <a16:creationId xmlns:a16="http://schemas.microsoft.com/office/drawing/2014/main" id="{695C8C85-0EA6-E680-AE13-3020DDA24E17}"/>
+                <a16:creationId xmlns:a16="http://schemas.microsoft.com/office/drawing/2014/main" id="{9EAD44A1-51AC-7D70-BBC0-45E14CC2F14A}"/>
               </a:ext>
             </a:extLst>
           </p:cNvPr>
@@ -1659,7 +1659,7 @@
           <p:cNvPr id="5" name="文本占位符 4">
             <a:extLst>
               <a:ext uri="{FF2B5EF4-FFF2-40B4-BE49-F238E27FC236}">
-                <a16:creationId xmlns:a16="http://schemas.microsoft.com/office/drawing/2014/main" id="{C578751D-E402-57F0-FE2C-77F8196633E4}"/>
+                <a16:creationId xmlns:a16="http://schemas.microsoft.com/office/drawing/2014/main" id="{A4B9ED74-BC11-44BC-BE49-C818AF3E46E3}"/>
               </a:ext>
             </a:extLst>
           </p:cNvPr>
@@ -1730,7 +1730,7 @@
           <p:cNvPr id="6" name="内容占位符 5">
             <a:extLst>
               <a:ext uri="{FF2B5EF4-FFF2-40B4-BE49-F238E27FC236}">
-                <a16:creationId xmlns:a16="http://schemas.microsoft.com/office/drawing/2014/main" id="{09FB81C7-74C9-7B48-3C24-B30E666BE690}"/>
+                <a16:creationId xmlns:a16="http://schemas.microsoft.com/office/drawing/2014/main" id="{263D9038-BF14-9FCA-6A7C-C776EDFC97A5}"/>
               </a:ext>
             </a:extLst>
           </p:cNvPr>
@@ -1792,7 +1792,7 @@
           <p:cNvPr id="7" name="日期占位符 6">
             <a:extLst>
               <a:ext uri="{FF2B5EF4-FFF2-40B4-BE49-F238E27FC236}">
-                <a16:creationId xmlns:a16="http://schemas.microsoft.com/office/drawing/2014/main" id="{E9000ED3-4423-B0C2-99C1-438BD38C878D}"/>
+                <a16:creationId xmlns:a16="http://schemas.microsoft.com/office/drawing/2014/main" id="{A70F1067-8CA9-FFEF-EE52-BA17C5AB38A3}"/>
               </a:ext>
             </a:extLst>
           </p:cNvPr>
@@ -1808,7 +1808,7 @@
           <a:bodyPr/>
           <a:lstStyle/>
           <a:p>
-            <a:fld id="{FA8E934D-3EDC-4D92-B80A-079F1C9A19DA}" type="datetimeFigureOut">
+            <a:fld id="{B3A906B0-8263-4EF4-A3DF-36371FC819A3}" type="datetimeFigureOut">
               <a:rPr lang="zh-CN" altLang="en-US" smtClean="0"/>
               <a:t>2024/3/10</a:t>
             </a:fld>
@@ -1821,7 +1821,7 @@
           <p:cNvPr id="8" name="页脚占位符 7">
             <a:extLst>
               <a:ext uri="{FF2B5EF4-FFF2-40B4-BE49-F238E27FC236}">
-                <a16:creationId xmlns:a16="http://schemas.microsoft.com/office/drawing/2014/main" id="{AE92CFDB-E8DB-EE95-0F44-43FBD590B9C6}"/>
+                <a16:creationId xmlns:a16="http://schemas.microsoft.com/office/drawing/2014/main" id="{D500F7DD-3872-8241-36DE-A82DB3F3E2AB}"/>
               </a:ext>
             </a:extLst>
           </p:cNvPr>
@@ -1846,7 +1846,7 @@
           <p:cNvPr id="9" name="灯片编号占位符 8">
             <a:extLst>
               <a:ext uri="{FF2B5EF4-FFF2-40B4-BE49-F238E27FC236}">
-                <a16:creationId xmlns:a16="http://schemas.microsoft.com/office/drawing/2014/main" id="{1156835F-6C34-1200-BBAA-E5507772F962}"/>
+                <a16:creationId xmlns:a16="http://schemas.microsoft.com/office/drawing/2014/main" id="{94005C25-5345-23C7-E744-6A467B44E6BB}"/>
               </a:ext>
             </a:extLst>
           </p:cNvPr>
@@ -1862,7 +1862,7 @@
           <a:bodyPr/>
           <a:lstStyle/>
           <a:p>
-            <a:fld id="{EAB7DE24-78DF-48AC-8EEF-11B926694560}" type="slidenum">
+            <a:fld id="{44747048-2987-4F1D-8412-756489639CE9}" type="slidenum">
               <a:rPr lang="zh-CN" altLang="en-US" smtClean="0"/>
               <a:t>‹#›</a:t>
             </a:fld>
@@ -1873,7 +1873,7 @@
     </p:spTree>
     <p:extLst>
       <p:ext uri="{BB962C8B-B14F-4D97-AF65-F5344CB8AC3E}">
-        <p14:creationId xmlns:p14="http://schemas.microsoft.com/office/powerpoint/2010/main" val="883523491"/>
+        <p14:creationId xmlns:p14="http://schemas.microsoft.com/office/powerpoint/2010/main" val="3216469864"/>
       </p:ext>
     </p:extLst>
   </p:cSld>
@@ -1905,7 +1905,7 @@
           <p:cNvPr id="2" name="标题 1">
             <a:extLst>
               <a:ext uri="{FF2B5EF4-FFF2-40B4-BE49-F238E27FC236}">
-                <a16:creationId xmlns:a16="http://schemas.microsoft.com/office/drawing/2014/main" id="{D307A17D-4652-AF2A-9769-3C627BE6CE66}"/>
+                <a16:creationId xmlns:a16="http://schemas.microsoft.com/office/drawing/2014/main" id="{1E45D957-6F67-0F16-178A-940BEE861A83}"/>
               </a:ext>
             </a:extLst>
           </p:cNvPr>
@@ -1933,7 +1933,7 @@
           <p:cNvPr id="3" name="日期占位符 2">
             <a:extLst>
               <a:ext uri="{FF2B5EF4-FFF2-40B4-BE49-F238E27FC236}">
-                <a16:creationId xmlns:a16="http://schemas.microsoft.com/office/drawing/2014/main" id="{A8C0C4FA-4C02-246E-4F3C-9EF03CE7E50B}"/>
+                <a16:creationId xmlns:a16="http://schemas.microsoft.com/office/drawing/2014/main" id="{FE0A15AF-CD15-B17D-CD22-C567CBE39FEE}"/>
               </a:ext>
             </a:extLst>
           </p:cNvPr>
@@ -1949,7 +1949,7 @@
           <a:bodyPr/>
           <a:lstStyle/>
           <a:p>
-            <a:fld id="{FA8E934D-3EDC-4D92-B80A-079F1C9A19DA}" type="datetimeFigureOut">
+            <a:fld id="{B3A906B0-8263-4EF4-A3DF-36371FC819A3}" type="datetimeFigureOut">
               <a:rPr lang="zh-CN" altLang="en-US" smtClean="0"/>
               <a:t>2024/3/10</a:t>
             </a:fld>
@@ -1962,7 +1962,7 @@
           <p:cNvPr id="4" name="页脚占位符 3">
             <a:extLst>
               <a:ext uri="{FF2B5EF4-FFF2-40B4-BE49-F238E27FC236}">
-                <a16:creationId xmlns:a16="http://schemas.microsoft.com/office/drawing/2014/main" id="{31FF7648-6D15-3050-84F6-2DA46BF69D3F}"/>
+                <a16:creationId xmlns:a16="http://schemas.microsoft.com/office/drawing/2014/main" id="{ED6251B2-120F-8ABF-9914-9BE33AC85490}"/>
               </a:ext>
             </a:extLst>
           </p:cNvPr>
@@ -1987,7 +1987,7 @@
           <p:cNvPr id="5" name="灯片编号占位符 4">
             <a:extLst>
               <a:ext uri="{FF2B5EF4-FFF2-40B4-BE49-F238E27FC236}">
-                <a16:creationId xmlns:a16="http://schemas.microsoft.com/office/drawing/2014/main" id="{8989B6F5-A344-D744-628A-4C05F477DDB9}"/>
+                <a16:creationId xmlns:a16="http://schemas.microsoft.com/office/drawing/2014/main" id="{02DA8995-1034-8C12-F681-6573B9449D29}"/>
               </a:ext>
             </a:extLst>
           </p:cNvPr>
@@ -2003,7 +2003,7 @@
           <a:bodyPr/>
           <a:lstStyle/>
           <a:p>
-            <a:fld id="{EAB7DE24-78DF-48AC-8EEF-11B926694560}" type="slidenum">
+            <a:fld id="{44747048-2987-4F1D-8412-756489639CE9}" type="slidenum">
               <a:rPr lang="zh-CN" altLang="en-US" smtClean="0"/>
               <a:t>‹#›</a:t>
             </a:fld>
@@ -2014,7 +2014,7 @@
     </p:spTree>
     <p:extLst>
       <p:ext uri="{BB962C8B-B14F-4D97-AF65-F5344CB8AC3E}">
-        <p14:creationId xmlns:p14="http://schemas.microsoft.com/office/powerpoint/2010/main" val="3861499350"/>
+        <p14:creationId xmlns:p14="http://schemas.microsoft.com/office/powerpoint/2010/main" val="395506224"/>
       </p:ext>
     </p:extLst>
   </p:cSld>
@@ -2046,7 +2046,7 @@
           <p:cNvPr id="2" name="日期占位符 1">
             <a:extLst>
               <a:ext uri="{FF2B5EF4-FFF2-40B4-BE49-F238E27FC236}">
-                <a16:creationId xmlns:a16="http://schemas.microsoft.com/office/drawing/2014/main" id="{A735350C-FC12-E886-F337-6E5D2457E849}"/>
+                <a16:creationId xmlns:a16="http://schemas.microsoft.com/office/drawing/2014/main" id="{ACADF512-1E1E-2E9D-ED84-3A6D0C9CB56B}"/>
               </a:ext>
             </a:extLst>
           </p:cNvPr>
@@ -2062,7 +2062,7 @@
           <a:bodyPr/>
           <a:lstStyle/>
           <a:p>
-            <a:fld id="{FA8E934D-3EDC-4D92-B80A-079F1C9A19DA}" type="datetimeFigureOut">
+            <a:fld id="{B3A906B0-8263-4EF4-A3DF-36371FC819A3}" type="datetimeFigureOut">
               <a:rPr lang="zh-CN" altLang="en-US" smtClean="0"/>
               <a:t>2024/3/10</a:t>
             </a:fld>
@@ -2075,7 +2075,7 @@
           <p:cNvPr id="3" name="页脚占位符 2">
             <a:extLst>
               <a:ext uri="{FF2B5EF4-FFF2-40B4-BE49-F238E27FC236}">
-                <a16:creationId xmlns:a16="http://schemas.microsoft.com/office/drawing/2014/main" id="{5D800158-848C-AF67-1E70-0F9590ABE9B6}"/>
+                <a16:creationId xmlns:a16="http://schemas.microsoft.com/office/drawing/2014/main" id="{738A9F6E-3BEF-4C30-197D-5F40C13F8F61}"/>
               </a:ext>
             </a:extLst>
           </p:cNvPr>
@@ -2100,7 +2100,7 @@
           <p:cNvPr id="4" name="灯片编号占位符 3">
             <a:extLst>
               <a:ext uri="{FF2B5EF4-FFF2-40B4-BE49-F238E27FC236}">
-                <a16:creationId xmlns:a16="http://schemas.microsoft.com/office/drawing/2014/main" id="{AFF27438-E930-0AE1-0CC6-207DE8177449}"/>
+                <a16:creationId xmlns:a16="http://schemas.microsoft.com/office/drawing/2014/main" id="{3E1508D6-B75E-0F72-510E-4DDA297338D1}"/>
               </a:ext>
             </a:extLst>
           </p:cNvPr>
@@ -2116,7 +2116,7 @@
           <a:bodyPr/>
           <a:lstStyle/>
           <a:p>
-            <a:fld id="{EAB7DE24-78DF-48AC-8EEF-11B926694560}" type="slidenum">
+            <a:fld id="{44747048-2987-4F1D-8412-756489639CE9}" type="slidenum">
               <a:rPr lang="zh-CN" altLang="en-US" smtClean="0"/>
               <a:t>‹#›</a:t>
             </a:fld>
@@ -2127,7 +2127,7 @@
     </p:spTree>
     <p:extLst>
       <p:ext uri="{BB962C8B-B14F-4D97-AF65-F5344CB8AC3E}">
-        <p14:creationId xmlns:p14="http://schemas.microsoft.com/office/powerpoint/2010/main" val="3109012150"/>
+        <p14:creationId xmlns:p14="http://schemas.microsoft.com/office/powerpoint/2010/main" val="143160777"/>
       </p:ext>
     </p:extLst>
   </p:cSld>
@@ -2159,7 +2159,7 @@
           <p:cNvPr id="2" name="标题 1">
             <a:extLst>
               <a:ext uri="{FF2B5EF4-FFF2-40B4-BE49-F238E27FC236}">
-                <a16:creationId xmlns:a16="http://schemas.microsoft.com/office/drawing/2014/main" id="{D606529B-FD62-EE40-CC8D-DF59992E0410}"/>
+                <a16:creationId xmlns:a16="http://schemas.microsoft.com/office/drawing/2014/main" id="{0D9015BF-783A-1D8E-AD14-80E69367B100}"/>
               </a:ext>
             </a:extLst>
           </p:cNvPr>
@@ -2196,7 +2196,7 @@
           <p:cNvPr id="3" name="内容占位符 2">
             <a:extLst>
               <a:ext uri="{FF2B5EF4-FFF2-40B4-BE49-F238E27FC236}">
-                <a16:creationId xmlns:a16="http://schemas.microsoft.com/office/drawing/2014/main" id="{2A7CAEFB-2DB4-870B-5B9A-F98829522F86}"/>
+                <a16:creationId xmlns:a16="http://schemas.microsoft.com/office/drawing/2014/main" id="{29FB13F9-A501-1C24-7AAA-57419C70E6A1}"/>
               </a:ext>
             </a:extLst>
           </p:cNvPr>
@@ -2286,7 +2286,7 @@
           <p:cNvPr id="4" name="文本占位符 3">
             <a:extLst>
               <a:ext uri="{FF2B5EF4-FFF2-40B4-BE49-F238E27FC236}">
-                <a16:creationId xmlns:a16="http://schemas.microsoft.com/office/drawing/2014/main" id="{07A8E796-D709-E0CC-429A-C6590A82B01D}"/>
+                <a16:creationId xmlns:a16="http://schemas.microsoft.com/office/drawing/2014/main" id="{D950481C-2AC8-294D-5304-B2601FB186AD}"/>
               </a:ext>
             </a:extLst>
           </p:cNvPr>
@@ -2357,7 +2357,7 @@
           <p:cNvPr id="5" name="日期占位符 4">
             <a:extLst>
               <a:ext uri="{FF2B5EF4-FFF2-40B4-BE49-F238E27FC236}">
-                <a16:creationId xmlns:a16="http://schemas.microsoft.com/office/drawing/2014/main" id="{BE0845B9-C122-2A89-4881-E0AADDABB01B}"/>
+                <a16:creationId xmlns:a16="http://schemas.microsoft.com/office/drawing/2014/main" id="{6142274E-FF32-F58F-8D19-52F2490C194A}"/>
               </a:ext>
             </a:extLst>
           </p:cNvPr>
@@ -2373,7 +2373,7 @@
           <a:bodyPr/>
           <a:lstStyle/>
           <a:p>
-            <a:fld id="{FA8E934D-3EDC-4D92-B80A-079F1C9A19DA}" type="datetimeFigureOut">
+            <a:fld id="{B3A906B0-8263-4EF4-A3DF-36371FC819A3}" type="datetimeFigureOut">
               <a:rPr lang="zh-CN" altLang="en-US" smtClean="0"/>
               <a:t>2024/3/10</a:t>
             </a:fld>
@@ -2386,7 +2386,7 @@
           <p:cNvPr id="6" name="页脚占位符 5">
             <a:extLst>
               <a:ext uri="{FF2B5EF4-FFF2-40B4-BE49-F238E27FC236}">
-                <a16:creationId xmlns:a16="http://schemas.microsoft.com/office/drawing/2014/main" id="{FE1D3908-F253-9338-0124-1CDD0E1BA70B}"/>
+                <a16:creationId xmlns:a16="http://schemas.microsoft.com/office/drawing/2014/main" id="{0A387B69-DB54-1BBC-7F76-DA2A996B621A}"/>
               </a:ext>
             </a:extLst>
           </p:cNvPr>
@@ -2411,7 +2411,7 @@
           <p:cNvPr id="7" name="灯片编号占位符 6">
             <a:extLst>
               <a:ext uri="{FF2B5EF4-FFF2-40B4-BE49-F238E27FC236}">
-                <a16:creationId xmlns:a16="http://schemas.microsoft.com/office/drawing/2014/main" id="{B312AA67-E675-F3AC-670D-465BA9709D46}"/>
+                <a16:creationId xmlns:a16="http://schemas.microsoft.com/office/drawing/2014/main" id="{F2254226-5F13-EA25-A34A-FF58CBB613BC}"/>
               </a:ext>
             </a:extLst>
           </p:cNvPr>
@@ -2427,7 +2427,7 @@
           <a:bodyPr/>
           <a:lstStyle/>
           <a:p>
-            <a:fld id="{EAB7DE24-78DF-48AC-8EEF-11B926694560}" type="slidenum">
+            <a:fld id="{44747048-2987-4F1D-8412-756489639CE9}" type="slidenum">
               <a:rPr lang="zh-CN" altLang="en-US" smtClean="0"/>
               <a:t>‹#›</a:t>
             </a:fld>
@@ -2438,7 +2438,7 @@
     </p:spTree>
     <p:extLst>
       <p:ext uri="{BB962C8B-B14F-4D97-AF65-F5344CB8AC3E}">
-        <p14:creationId xmlns:p14="http://schemas.microsoft.com/office/powerpoint/2010/main" val="3399625655"/>
+        <p14:creationId xmlns:p14="http://schemas.microsoft.com/office/powerpoint/2010/main" val="689959352"/>
       </p:ext>
     </p:extLst>
   </p:cSld>
@@ -2470,7 +2470,7 @@
           <p:cNvPr id="2" name="标题 1">
             <a:extLst>
               <a:ext uri="{FF2B5EF4-FFF2-40B4-BE49-F238E27FC236}">
-                <a16:creationId xmlns:a16="http://schemas.microsoft.com/office/drawing/2014/main" id="{BEB75F1F-E96F-D282-C23A-A29890F1A446}"/>
+                <a16:creationId xmlns:a16="http://schemas.microsoft.com/office/drawing/2014/main" id="{D0369CDA-21AC-D501-D802-3F1B0F798B6F}"/>
               </a:ext>
             </a:extLst>
           </p:cNvPr>
@@ -2507,7 +2507,7 @@
           <p:cNvPr id="3" name="图片占位符 2">
             <a:extLst>
               <a:ext uri="{FF2B5EF4-FFF2-40B4-BE49-F238E27FC236}">
-                <a16:creationId xmlns:a16="http://schemas.microsoft.com/office/drawing/2014/main" id="{FA320438-CC49-6311-6655-5E7BD8B172CB}"/>
+                <a16:creationId xmlns:a16="http://schemas.microsoft.com/office/drawing/2014/main" id="{54DF5874-8279-85B6-B1F7-D4299A326305}"/>
               </a:ext>
             </a:extLst>
           </p:cNvPr>
@@ -2574,7 +2574,7 @@
           <p:cNvPr id="4" name="文本占位符 3">
             <a:extLst>
               <a:ext uri="{FF2B5EF4-FFF2-40B4-BE49-F238E27FC236}">
-                <a16:creationId xmlns:a16="http://schemas.microsoft.com/office/drawing/2014/main" id="{1B98EEC2-D21E-3169-3248-A55B58DFF311}"/>
+                <a16:creationId xmlns:a16="http://schemas.microsoft.com/office/drawing/2014/main" id="{5018FE99-63F3-AD8B-8843-0FA09111D29A}"/>
               </a:ext>
             </a:extLst>
           </p:cNvPr>
@@ -2645,7 +2645,7 @@
           <p:cNvPr id="5" name="日期占位符 4">
             <a:extLst>
               <a:ext uri="{FF2B5EF4-FFF2-40B4-BE49-F238E27FC236}">
-                <a16:creationId xmlns:a16="http://schemas.microsoft.com/office/drawing/2014/main" id="{D24FE9B9-6E15-BEA0-CFC8-40BC48962FE8}"/>
+                <a16:creationId xmlns:a16="http://schemas.microsoft.com/office/drawing/2014/main" id="{D436C25F-3277-5AA3-3E54-05ED0E9F630E}"/>
               </a:ext>
             </a:extLst>
           </p:cNvPr>
@@ -2661,7 +2661,7 @@
           <a:bodyPr/>
           <a:lstStyle/>
           <a:p>
-            <a:fld id="{FA8E934D-3EDC-4D92-B80A-079F1C9A19DA}" type="datetimeFigureOut">
+            <a:fld id="{B3A906B0-8263-4EF4-A3DF-36371FC819A3}" type="datetimeFigureOut">
               <a:rPr lang="zh-CN" altLang="en-US" smtClean="0"/>
               <a:t>2024/3/10</a:t>
             </a:fld>
@@ -2674,7 +2674,7 @@
           <p:cNvPr id="6" name="页脚占位符 5">
             <a:extLst>
               <a:ext uri="{FF2B5EF4-FFF2-40B4-BE49-F238E27FC236}">
-                <a16:creationId xmlns:a16="http://schemas.microsoft.com/office/drawing/2014/main" id="{0A58475E-DE4C-1622-2C9B-4F5BAB49E46E}"/>
+                <a16:creationId xmlns:a16="http://schemas.microsoft.com/office/drawing/2014/main" id="{7C4E3384-7F38-5DA5-158F-01A87F340BC3}"/>
               </a:ext>
             </a:extLst>
           </p:cNvPr>
@@ -2699,7 +2699,7 @@
           <p:cNvPr id="7" name="灯片编号占位符 6">
             <a:extLst>
               <a:ext uri="{FF2B5EF4-FFF2-40B4-BE49-F238E27FC236}">
-                <a16:creationId xmlns:a16="http://schemas.microsoft.com/office/drawing/2014/main" id="{7EE7AD8B-4BF5-E09B-1131-9E0738AB1684}"/>
+                <a16:creationId xmlns:a16="http://schemas.microsoft.com/office/drawing/2014/main" id="{D814991D-09C6-5E33-4696-633A969E8E0F}"/>
               </a:ext>
             </a:extLst>
           </p:cNvPr>
@@ -2715,7 +2715,7 @@
           <a:bodyPr/>
           <a:lstStyle/>
           <a:p>
-            <a:fld id="{EAB7DE24-78DF-48AC-8EEF-11B926694560}" type="slidenum">
+            <a:fld id="{44747048-2987-4F1D-8412-756489639CE9}" type="slidenum">
               <a:rPr lang="zh-CN" altLang="en-US" smtClean="0"/>
               <a:t>‹#›</a:t>
             </a:fld>
@@ -2726,7 +2726,7 @@
     </p:spTree>
     <p:extLst>
       <p:ext uri="{BB962C8B-B14F-4D97-AF65-F5344CB8AC3E}">
-        <p14:creationId xmlns:p14="http://schemas.microsoft.com/office/powerpoint/2010/main" val="315255087"/>
+        <p14:creationId xmlns:p14="http://schemas.microsoft.com/office/powerpoint/2010/main" val="1105385541"/>
       </p:ext>
     </p:extLst>
   </p:cSld>
@@ -2763,7 +2763,7 @@
           <p:cNvPr id="2" name="标题占位符 1">
             <a:extLst>
               <a:ext uri="{FF2B5EF4-FFF2-40B4-BE49-F238E27FC236}">
-                <a16:creationId xmlns:a16="http://schemas.microsoft.com/office/drawing/2014/main" id="{69BD122A-787B-0ECA-E109-B043B01C2E45}"/>
+                <a16:creationId xmlns:a16="http://schemas.microsoft.com/office/drawing/2014/main" id="{4D6B71E8-AA4C-37EF-FDB6-EFB5B9092037}"/>
               </a:ext>
             </a:extLst>
           </p:cNvPr>
@@ -2801,7 +2801,7 @@
           <p:cNvPr id="3" name="文本占位符 2">
             <a:extLst>
               <a:ext uri="{FF2B5EF4-FFF2-40B4-BE49-F238E27FC236}">
-                <a16:creationId xmlns:a16="http://schemas.microsoft.com/office/drawing/2014/main" id="{384FB6C6-E313-4E3D-61A2-42349CC89D41}"/>
+                <a16:creationId xmlns:a16="http://schemas.microsoft.com/office/drawing/2014/main" id="{B27145FF-E176-C574-A719-3309857011EF}"/>
               </a:ext>
             </a:extLst>
           </p:cNvPr>
@@ -2868,7 +2868,7 @@
           <p:cNvPr id="4" name="日期占位符 3">
             <a:extLst>
               <a:ext uri="{FF2B5EF4-FFF2-40B4-BE49-F238E27FC236}">
-                <a16:creationId xmlns:a16="http://schemas.microsoft.com/office/drawing/2014/main" id="{2A7E3CFB-2BA0-C9CC-2619-5C447E23684B}"/>
+                <a16:creationId xmlns:a16="http://schemas.microsoft.com/office/drawing/2014/main" id="{D1331B28-43FE-BF99-8AB7-E5600C56955D}"/>
               </a:ext>
             </a:extLst>
           </p:cNvPr>
@@ -2902,7 +2902,7 @@
             </a:lvl1pPr>
           </a:lstStyle>
           <a:p>
-            <a:fld id="{FA8E934D-3EDC-4D92-B80A-079F1C9A19DA}" type="datetimeFigureOut">
+            <a:fld id="{B3A906B0-8263-4EF4-A3DF-36371FC819A3}" type="datetimeFigureOut">
               <a:rPr lang="zh-CN" altLang="en-US" smtClean="0"/>
               <a:t>2024/3/10</a:t>
             </a:fld>
@@ -2915,7 +2915,7 @@
           <p:cNvPr id="5" name="页脚占位符 4">
             <a:extLst>
               <a:ext uri="{FF2B5EF4-FFF2-40B4-BE49-F238E27FC236}">
-                <a16:creationId xmlns:a16="http://schemas.microsoft.com/office/drawing/2014/main" id="{CE546579-A300-65EA-63FA-C2168EB47987}"/>
+                <a16:creationId xmlns:a16="http://schemas.microsoft.com/office/drawing/2014/main" id="{76FEF04C-426F-5C42-8F4A-5242EDF7FDD0}"/>
               </a:ext>
             </a:extLst>
           </p:cNvPr>
@@ -2958,7 +2958,7 @@
           <p:cNvPr id="6" name="灯片编号占位符 5">
             <a:extLst>
               <a:ext uri="{FF2B5EF4-FFF2-40B4-BE49-F238E27FC236}">
-                <a16:creationId xmlns:a16="http://schemas.microsoft.com/office/drawing/2014/main" id="{F35C89EA-63A9-12A6-F3C8-170891DEC1DF}"/>
+                <a16:creationId xmlns:a16="http://schemas.microsoft.com/office/drawing/2014/main" id="{16206520-3D23-CC4C-D5F2-AF5AAC448167}"/>
               </a:ext>
             </a:extLst>
           </p:cNvPr>
@@ -2992,7 +2992,7 @@
             </a:lvl1pPr>
           </a:lstStyle>
           <a:p>
-            <a:fld id="{EAB7DE24-78DF-48AC-8EEF-11B926694560}" type="slidenum">
+            <a:fld id="{44747048-2987-4F1D-8412-756489639CE9}" type="slidenum">
               <a:rPr lang="zh-CN" altLang="en-US" smtClean="0"/>
               <a:t>‹#›</a:t>
             </a:fld>
@@ -3003,7 +3003,7 @@
     </p:spTree>
     <p:extLst>
       <p:ext uri="{BB962C8B-B14F-4D97-AF65-F5344CB8AC3E}">
-        <p14:creationId xmlns:p14="http://schemas.microsoft.com/office/powerpoint/2010/main" val="3436138845"/>
+        <p14:creationId xmlns:p14="http://schemas.microsoft.com/office/powerpoint/2010/main" val="2392627557"/>
       </p:ext>
     </p:extLst>
   </p:cSld>
@@ -3323,7 +3323,7 @@
       </p:grpSpPr>
       <p:pic>
         <p:nvPicPr>
-          <p:cNvPr id="526338" name="Picture 2" descr="513"/>
+          <p:cNvPr id="527362" name="Picture 2" descr="514"/>
           <p:cNvPicPr>
             <a:picLocks noChangeAspect="1" noChangeArrowheads="1"/>
           </p:cNvPicPr>
@@ -3377,7 +3377,7 @@
       </p:pic>
       <p:pic>
         <p:nvPicPr>
-          <p:cNvPr id="527363" name="Picture 3" descr="513-2"/>
+          <p:cNvPr id="528387" name="Picture 3" descr="514-2"/>
           <p:cNvPicPr>
             <a:picLocks noChangeAspect="1" noChangeArrowheads="1"/>
           </p:cNvPicPr>
@@ -3478,7 +3478,7 @@
                                           </p:stCondLst>
                                         </p:cTn>
                                         <p:tgtEl>
-                                          <p:spTgt spid="527363"/>
+                                          <p:spTgt spid="528387"/>
                                         </p:tgtEl>
                                         <p:attrNameLst>
                                           <p:attrName>style.visibility</p:attrName>
@@ -3492,7 +3492,7 @@
                                       <p:cBhvr>
                                         <p:cTn id="7" dur="500"/>
                                         <p:tgtEl>
-                                          <p:spTgt spid="527363"/>
+                                          <p:spTgt spid="528387"/>
                                         </p:tgtEl>
                                       </p:cBhvr>
                                     </p:animEffect>
